--- a/CPG_pre.pptx
+++ b/CPG_pre.pptx
@@ -13,6 +13,7 @@
     <p:sldId id="262" r:id="rId7"/>
     <p:sldId id="263" r:id="rId8"/>
     <p:sldId id="264" r:id="rId9"/>
+    <p:sldId id="265" r:id="rId10"/>
   </p:sldIdLst>
   <p:sldSz cx="12192000" cy="6858000"/>
   <p:notesSz cx="6858000" cy="9144000"/>
@@ -4189,6 +4190,11 @@
           <a:bodyPr/>
           <a:lstStyle/>
           <a:p>
+            <a:pPr>
+              <a:lnSpc>
+                <a:spcPct val="100000"/>
+              </a:lnSpc>
+            </a:pPr>
             <a:r>
               <a:rPr lang="zh-CN" altLang="en-US" dirty="0">
                 <a:latin typeface="Microsoft YaHei Light" panose="020B0502040204020203" pitchFamily="34" charset="-122"/>
@@ -4222,7 +4228,7 @@
                 <a:latin typeface="Microsoft YaHei Light" panose="020B0502040204020203" pitchFamily="34" charset="-122"/>
                 <a:ea typeface="Microsoft YaHei Light" panose="020B0502040204020203" pitchFamily="34" charset="-122"/>
               </a:rPr>
-              <a:t>所录诗歌，自动创作符合要求的新诗歌</a:t>
+              <a:t>所录诗歌，自动创作符合要求的绝句诗歌</a:t>
             </a:r>
             <a:endParaRPr lang="en-US" altLang="zh-CN" dirty="0">
               <a:latin typeface="Microsoft YaHei Light" panose="020B0502040204020203" pitchFamily="34" charset="-122"/>
@@ -4230,6 +4236,11 @@
             </a:endParaRPr>
           </a:p>
           <a:p>
+            <a:pPr>
+              <a:lnSpc>
+                <a:spcPct val="100000"/>
+              </a:lnSpc>
+            </a:pPr>
             <a:r>
               <a:rPr lang="zh-CN" altLang="en-US" dirty="0">
                 <a:latin typeface="Microsoft YaHei Light" panose="020B0502040204020203" pitchFamily="34" charset="-122"/>
@@ -4243,27 +4254,17 @@
             </a:endParaRPr>
           </a:p>
           <a:p>
-            <a:pPr lvl="1"/>
+            <a:pPr lvl="1">
+              <a:lnSpc>
+                <a:spcPct val="100000"/>
+              </a:lnSpc>
+            </a:pPr>
             <a:r>
               <a:rPr lang="zh-CN" altLang="en-US" i="0" dirty="0">
                 <a:latin typeface="Microsoft YaHei Light" panose="020B0502040204020203" pitchFamily="34" charset="-122"/>
                 <a:ea typeface="Microsoft YaHei Light" panose="020B0502040204020203" pitchFamily="34" charset="-122"/>
               </a:rPr>
-              <a:t>五言诗生成</a:t>
-            </a:r>
-            <a:r>
-              <a:rPr lang="en-US" altLang="zh-CN" i="0" dirty="0">
-                <a:latin typeface="Microsoft YaHei Light" panose="020B0502040204020203" pitchFamily="34" charset="-122"/>
-                <a:ea typeface="Microsoft YaHei Light" panose="020B0502040204020203" pitchFamily="34" charset="-122"/>
-              </a:rPr>
-              <a:t>:</a:t>
-            </a:r>
-            <a:r>
-              <a:rPr lang="zh-CN" altLang="en-US" i="0" dirty="0">
-                <a:latin typeface="Microsoft YaHei Light" panose="020B0502040204020203" pitchFamily="34" charset="-122"/>
-                <a:ea typeface="Microsoft YaHei Light" panose="020B0502040204020203" pitchFamily="34" charset="-122"/>
-              </a:rPr>
-              <a:t>：无输入，自由发挥创作五言诗</a:t>
+              <a:t>五言诗生成：无输入，自由发挥创作五言诗</a:t>
             </a:r>
             <a:endParaRPr lang="en-US" altLang="zh-CN" i="0" dirty="0">
               <a:latin typeface="Microsoft YaHei Light" panose="020B0502040204020203" pitchFamily="34" charset="-122"/>
@@ -4271,13 +4272,17 @@
             </a:endParaRPr>
           </a:p>
           <a:p>
-            <a:pPr lvl="1"/>
+            <a:pPr lvl="1">
+              <a:lnSpc>
+                <a:spcPct val="100000"/>
+              </a:lnSpc>
+            </a:pPr>
             <a:r>
               <a:rPr lang="zh-CN" altLang="en-US" i="0" dirty="0">
                 <a:latin typeface="Microsoft YaHei Light" panose="020B0502040204020203" pitchFamily="34" charset="-122"/>
                 <a:ea typeface="Microsoft YaHei Light" panose="020B0502040204020203" pitchFamily="34" charset="-122"/>
               </a:rPr>
-              <a:t>绝句生成：（待定）</a:t>
+              <a:t>七言诗生成：同上</a:t>
             </a:r>
             <a:endParaRPr lang="en-US" altLang="zh-CN" i="0" dirty="0">
               <a:latin typeface="Microsoft YaHei Light" panose="020B0502040204020203" pitchFamily="34" charset="-122"/>
@@ -4285,7 +4290,11 @@
             </a:endParaRPr>
           </a:p>
           <a:p>
-            <a:pPr lvl="1"/>
+            <a:pPr lvl="1">
+              <a:lnSpc>
+                <a:spcPct val="100000"/>
+              </a:lnSpc>
+            </a:pPr>
             <a:r>
               <a:rPr lang="zh-CN" altLang="en-US" i="0" dirty="0">
                 <a:latin typeface="Microsoft YaHei Light" panose="020B0502040204020203" pitchFamily="34" charset="-122"/>
@@ -4305,7 +4314,21 @@
                 <a:latin typeface="Microsoft YaHei Light" panose="020B0502040204020203" pitchFamily="34" charset="-122"/>
                 <a:ea typeface="Microsoft YaHei Light" panose="020B0502040204020203" pitchFamily="34" charset="-122"/>
               </a:rPr>
-              <a:t>个字，生成对应的藏头五言诗</a:t>
+              <a:t>个字，生成对应的藏头五</a:t>
+            </a:r>
+            <a:r>
+              <a:rPr lang="en-US" altLang="zh-CN" i="0" dirty="0">
+                <a:latin typeface="Microsoft YaHei Light" panose="020B0502040204020203" pitchFamily="34" charset="-122"/>
+                <a:ea typeface="Microsoft YaHei Light" panose="020B0502040204020203" pitchFamily="34" charset="-122"/>
+              </a:rPr>
+              <a:t>\</a:t>
+            </a:r>
+            <a:r>
+              <a:rPr lang="zh-CN" altLang="en-US" i="0" dirty="0">
+                <a:latin typeface="Microsoft YaHei Light" panose="020B0502040204020203" pitchFamily="34" charset="-122"/>
+                <a:ea typeface="Microsoft YaHei Light" panose="020B0502040204020203" pitchFamily="34" charset="-122"/>
+              </a:rPr>
+              <a:t>七言诗</a:t>
             </a:r>
           </a:p>
         </p:txBody>
@@ -4392,6 +4415,11 @@
           <a:bodyPr/>
           <a:lstStyle/>
           <a:p>
+            <a:pPr>
+              <a:lnSpc>
+                <a:spcPct val="100000"/>
+              </a:lnSpc>
+            </a:pPr>
             <a:r>
               <a:rPr lang="zh-CN" altLang="en-US" dirty="0">
                 <a:latin typeface="Microsoft YaHei Light" panose="020B0502040204020203" pitchFamily="34" charset="-122"/>
@@ -4411,13 +4439,41 @@
                 <a:latin typeface="Microsoft YaHei Light" panose="020B0502040204020203" pitchFamily="34" charset="-122"/>
                 <a:ea typeface="Microsoft YaHei Light" panose="020B0502040204020203" pitchFamily="34" charset="-122"/>
               </a:rPr>
-              <a:t>中华诗词数据库（</a:t>
+              <a:t>中华诗词数据库，采用其中</a:t>
             </a:r>
             <a:r>
               <a:rPr lang="en-US" altLang="zh-CN" dirty="0">
                 <a:latin typeface="Microsoft YaHei Light" panose="020B0502040204020203" pitchFamily="34" charset="-122"/>
                 <a:ea typeface="Microsoft YaHei Light" panose="020B0502040204020203" pitchFamily="34" charset="-122"/>
               </a:rPr>
+              <a:t>《</a:t>
+            </a:r>
+            <a:r>
+              <a:rPr lang="zh-CN" altLang="en-US" dirty="0">
+                <a:latin typeface="Microsoft YaHei Light" panose="020B0502040204020203" pitchFamily="34" charset="-122"/>
+                <a:ea typeface="Microsoft YaHei Light" panose="020B0502040204020203" pitchFamily="34" charset="-122"/>
+              </a:rPr>
+              <a:t>全唐诗</a:t>
+            </a:r>
+            <a:r>
+              <a:rPr lang="en-US" altLang="zh-CN" dirty="0">
+                <a:latin typeface="Microsoft YaHei Light" panose="020B0502040204020203" pitchFamily="34" charset="-122"/>
+                <a:ea typeface="Microsoft YaHei Light" panose="020B0502040204020203" pitchFamily="34" charset="-122"/>
+              </a:rPr>
+              <a:t>》</a:t>
+            </a:r>
+            <a:r>
+              <a:rPr lang="zh-CN" altLang="en-US" dirty="0">
+                <a:latin typeface="Microsoft YaHei Light" panose="020B0502040204020203" pitchFamily="34" charset="-122"/>
+                <a:ea typeface="Microsoft YaHei Light" panose="020B0502040204020203" pitchFamily="34" charset="-122"/>
+              </a:rPr>
+              <a:t>作为训练集（</a:t>
+            </a:r>
+            <a:r>
+              <a:rPr lang="en-US" altLang="zh-CN" dirty="0">
+                <a:latin typeface="Microsoft YaHei Light" panose="020B0502040204020203" pitchFamily="34" charset="-122"/>
+                <a:ea typeface="Microsoft YaHei Light" panose="020B0502040204020203" pitchFamily="34" charset="-122"/>
+              </a:rPr>
               <a:t>https://github.com/chinese-poetry/chinese-poetry</a:t>
             </a:r>
             <a:r>
@@ -4425,35 +4481,7 @@
                 <a:latin typeface="Microsoft YaHei Light" panose="020B0502040204020203" pitchFamily="34" charset="-122"/>
                 <a:ea typeface="Microsoft YaHei Light" panose="020B0502040204020203" pitchFamily="34" charset="-122"/>
               </a:rPr>
-              <a:t>），采用其中</a:t>
-            </a:r>
-            <a:r>
-              <a:rPr lang="en-US" altLang="zh-CN" dirty="0">
-                <a:latin typeface="Microsoft YaHei Light" panose="020B0502040204020203" pitchFamily="34" charset="-122"/>
-                <a:ea typeface="Microsoft YaHei Light" panose="020B0502040204020203" pitchFamily="34" charset="-122"/>
-              </a:rPr>
-              <a:t>《</a:t>
-            </a:r>
-            <a:r>
-              <a:rPr lang="zh-CN" altLang="en-US" dirty="0">
-                <a:latin typeface="Microsoft YaHei Light" panose="020B0502040204020203" pitchFamily="34" charset="-122"/>
-                <a:ea typeface="Microsoft YaHei Light" panose="020B0502040204020203" pitchFamily="34" charset="-122"/>
-              </a:rPr>
-              <a:t>全唐诗</a:t>
-            </a:r>
-            <a:r>
-              <a:rPr lang="en-US" altLang="zh-CN" dirty="0">
-                <a:latin typeface="Microsoft YaHei Light" panose="020B0502040204020203" pitchFamily="34" charset="-122"/>
-                <a:ea typeface="Microsoft YaHei Light" panose="020B0502040204020203" pitchFamily="34" charset="-122"/>
-              </a:rPr>
-              <a:t>》</a:t>
-            </a:r>
-            <a:r>
-              <a:rPr lang="zh-CN" altLang="en-US" dirty="0">
-                <a:latin typeface="Microsoft YaHei Light" panose="020B0502040204020203" pitchFamily="34" charset="-122"/>
-                <a:ea typeface="Microsoft YaHei Light" panose="020B0502040204020203" pitchFamily="34" charset="-122"/>
-              </a:rPr>
-              <a:t>作为训练集</a:t>
+              <a:t>）</a:t>
             </a:r>
             <a:endParaRPr lang="en-US" altLang="zh-CN" dirty="0">
               <a:latin typeface="Microsoft YaHei Light" panose="020B0502040204020203" pitchFamily="34" charset="-122"/>
@@ -4461,6 +4489,11 @@
             </a:endParaRPr>
           </a:p>
           <a:p>
+            <a:pPr>
+              <a:lnSpc>
+                <a:spcPct val="100000"/>
+              </a:lnSpc>
+            </a:pPr>
             <a:r>
               <a:rPr lang="zh-CN" altLang="en-US" dirty="0">
                 <a:latin typeface="Microsoft YaHei Light" panose="020B0502040204020203" pitchFamily="34" charset="-122"/>
@@ -4474,7 +4507,11 @@
             </a:endParaRPr>
           </a:p>
           <a:p>
-            <a:pPr lvl="1"/>
+            <a:pPr lvl="1">
+              <a:lnSpc>
+                <a:spcPct val="100000"/>
+              </a:lnSpc>
+            </a:pPr>
             <a:r>
               <a:rPr lang="zh-CN" altLang="en-US" i="0" dirty="0">
                 <a:latin typeface="Microsoft YaHei Light" panose="020B0502040204020203" pitchFamily="34" charset="-122"/>
@@ -4516,7 +4553,11 @@
             </a:endParaRPr>
           </a:p>
           <a:p>
-            <a:pPr lvl="1"/>
+            <a:pPr lvl="1">
+              <a:lnSpc>
+                <a:spcPct val="100000"/>
+              </a:lnSpc>
+            </a:pPr>
             <a:r>
               <a:rPr lang="zh-CN" altLang="en-US" i="0" dirty="0">
                 <a:latin typeface="Microsoft YaHei Light" panose="020B0502040204020203" pitchFamily="34" charset="-122"/>
@@ -4530,7 +4571,11 @@
             </a:endParaRPr>
           </a:p>
           <a:p>
-            <a:pPr lvl="1"/>
+            <a:pPr lvl="1">
+              <a:lnSpc>
+                <a:spcPct val="100000"/>
+              </a:lnSpc>
+            </a:pPr>
             <a:r>
               <a:rPr lang="zh-CN" altLang="en-US" i="0" dirty="0">
                 <a:latin typeface="Microsoft YaHei Light" panose="020B0502040204020203" pitchFamily="34" charset="-122"/>
@@ -4544,7 +4589,11 @@
             </a:endParaRPr>
           </a:p>
           <a:p>
-            <a:pPr lvl="1"/>
+            <a:pPr lvl="1">
+              <a:lnSpc>
+                <a:spcPct val="100000"/>
+              </a:lnSpc>
+            </a:pPr>
             <a:endParaRPr lang="en-US" altLang="zh-CN" i="0" dirty="0">
               <a:latin typeface="Microsoft YaHei Light" panose="020B0502040204020203" pitchFamily="34" charset="-122"/>
               <a:ea typeface="Microsoft YaHei Light" panose="020B0502040204020203" pitchFamily="34" charset="-122"/>
@@ -4639,6 +4688,11 @@
           <a:bodyPr/>
           <a:lstStyle/>
           <a:p>
+            <a:pPr>
+              <a:lnSpc>
+                <a:spcPct val="100000"/>
+              </a:lnSpc>
+            </a:pPr>
             <a:r>
               <a:rPr lang="zh-CN" altLang="en-US" dirty="0">
                 <a:latin typeface="Microsoft YaHei Light" panose="020B0502040204020203" pitchFamily="34" charset="-122"/>
@@ -4655,6 +4709,11 @@
             </a:r>
           </a:p>
           <a:p>
+            <a:pPr>
+              <a:lnSpc>
+                <a:spcPct val="100000"/>
+              </a:lnSpc>
+            </a:pPr>
             <a:r>
               <a:rPr lang="zh-CN" altLang="en-US" i="0" dirty="0">
                 <a:latin typeface="Microsoft YaHei Light" panose="020B0502040204020203" pitchFamily="34" charset="-122"/>
@@ -4668,7 +4727,11 @@
             </a:endParaRPr>
           </a:p>
           <a:p>
-            <a:pPr lvl="1"/>
+            <a:pPr lvl="1">
+              <a:lnSpc>
+                <a:spcPct val="100000"/>
+              </a:lnSpc>
+            </a:pPr>
             <a:r>
               <a:rPr lang="en-US" altLang="zh-CN" i="0" dirty="0">
                 <a:latin typeface="Microsoft YaHei Light" panose="020B0502040204020203" pitchFamily="34" charset="-122"/>
@@ -4689,7 +4752,11 @@
             </a:endParaRPr>
           </a:p>
           <a:p>
-            <a:pPr lvl="1"/>
+            <a:pPr lvl="1">
+              <a:lnSpc>
+                <a:spcPct val="100000"/>
+              </a:lnSpc>
+            </a:pPr>
             <a:r>
               <a:rPr lang="zh-CN" altLang="en-US" i="0" dirty="0">
                 <a:latin typeface="Microsoft YaHei Light" panose="020B0502040204020203" pitchFamily="34" charset="-122"/>
@@ -4717,6 +4784,11 @@
             </a:endParaRPr>
           </a:p>
           <a:p>
+            <a:pPr>
+              <a:lnSpc>
+                <a:spcPct val="100000"/>
+              </a:lnSpc>
+            </a:pPr>
             <a:r>
               <a:rPr lang="zh-CN" altLang="en-US" dirty="0">
                 <a:latin typeface="Microsoft YaHei Light" panose="020B0502040204020203" pitchFamily="34" charset="-122"/>
@@ -4737,7 +4809,11 @@
             </a:endParaRPr>
           </a:p>
           <a:p>
-            <a:pPr lvl="1"/>
+            <a:pPr lvl="1">
+              <a:lnSpc>
+                <a:spcPct val="100000"/>
+              </a:lnSpc>
+            </a:pPr>
             <a:r>
               <a:rPr lang="zh-CN" altLang="en-US" i="0" dirty="0">
                 <a:latin typeface="Microsoft YaHei Light" panose="020B0502040204020203" pitchFamily="34" charset="-122"/>
@@ -4751,7 +4827,11 @@
             </a:endParaRPr>
           </a:p>
           <a:p>
-            <a:pPr lvl="1"/>
+            <a:pPr lvl="1">
+              <a:lnSpc>
+                <a:spcPct val="100000"/>
+              </a:lnSpc>
+            </a:pPr>
             <a:r>
               <a:rPr lang="zh-CN" altLang="en-US" i="0" dirty="0">
                 <a:latin typeface="Microsoft YaHei Light" panose="020B0502040204020203" pitchFamily="34" charset="-122"/>
@@ -4765,6 +4845,11 @@
             </a:endParaRPr>
           </a:p>
           <a:p>
+            <a:pPr>
+              <a:lnSpc>
+                <a:spcPct val="100000"/>
+              </a:lnSpc>
+            </a:pPr>
             <a:r>
               <a:rPr lang="zh-CN" altLang="en-US" dirty="0">
                 <a:latin typeface="Microsoft YaHei Light" panose="020B0502040204020203" pitchFamily="34" charset="-122"/>
@@ -4778,7 +4863,11 @@
             </a:endParaRPr>
           </a:p>
           <a:p>
-            <a:pPr lvl="1"/>
+            <a:pPr lvl="1">
+              <a:lnSpc>
+                <a:spcPct val="100000"/>
+              </a:lnSpc>
+            </a:pPr>
             <a:r>
               <a:rPr lang="zh-CN" altLang="en-US" i="0" dirty="0">
                 <a:latin typeface="Microsoft YaHei Light" panose="020B0502040204020203" pitchFamily="34" charset="-122"/>
@@ -4796,6 +4885,42 @@
           </a:p>
         </p:txBody>
       </p:sp>
+      <p:pic>
+        <p:nvPicPr>
+          <p:cNvPr id="5" name="图片 4">
+            <a:extLst>
+              <a:ext uri="{FF2B5EF4-FFF2-40B4-BE49-F238E27FC236}">
+                <a16:creationId xmlns:a16="http://schemas.microsoft.com/office/drawing/2014/main" id="{5F054D6C-9EAE-4A55-9D5D-8A8603412BF7}"/>
+              </a:ext>
+            </a:extLst>
+          </p:cNvPr>
+          <p:cNvPicPr>
+            <a:picLocks noChangeAspect="1"/>
+          </p:cNvPicPr>
+          <p:nvPr/>
+        </p:nvPicPr>
+        <p:blipFill>
+          <a:blip r:embed="rId2">
+            <a:extLst>
+              <a:ext uri="{28A0092B-C50C-407E-A947-70E740481C1C}">
+                <a14:useLocalDpi xmlns:a14="http://schemas.microsoft.com/office/drawing/2010/main" val="0"/>
+              </a:ext>
+            </a:extLst>
+          </a:blip>
+          <a:stretch>
+            <a:fillRect/>
+          </a:stretch>
+        </p:blipFill>
+        <p:spPr>
+          <a:xfrm>
+            <a:off x="8037095" y="59524"/>
+            <a:ext cx="3978443" cy="3369476"/>
+          </a:xfrm>
+          <a:prstGeom prst="rect">
+            <a:avLst/>
+          </a:prstGeom>
+        </p:spPr>
+      </p:pic>
     </p:spTree>
     <p:extLst>
       <p:ext uri="{BB962C8B-B14F-4D97-AF65-F5344CB8AC3E}">
@@ -4883,6 +5008,11 @@
           <a:bodyPr/>
           <a:lstStyle/>
           <a:p>
+            <a:pPr>
+              <a:lnSpc>
+                <a:spcPct val="100000"/>
+              </a:lnSpc>
+            </a:pPr>
             <a:r>
               <a:rPr lang="en-US" altLang="zh-CN" dirty="0">
                 <a:latin typeface="Microsoft YaHei Light" panose="020B0502040204020203" pitchFamily="34" charset="-122"/>
@@ -4903,7 +5033,11 @@
             </a:endParaRPr>
           </a:p>
           <a:p>
-            <a:pPr lvl="1"/>
+            <a:pPr lvl="1">
+              <a:lnSpc>
+                <a:spcPct val="100000"/>
+              </a:lnSpc>
+            </a:pPr>
             <a:r>
               <a:rPr lang="zh-CN" altLang="en-US" i="0" dirty="0">
                 <a:latin typeface="Microsoft YaHei Light" panose="020B0502040204020203" pitchFamily="34" charset="-122"/>
@@ -4917,7 +5051,11 @@
             </a:endParaRPr>
           </a:p>
           <a:p>
-            <a:pPr lvl="1"/>
+            <a:pPr lvl="1">
+              <a:lnSpc>
+                <a:spcPct val="100000"/>
+              </a:lnSpc>
+            </a:pPr>
             <a:r>
               <a:rPr lang="zh-CN" altLang="en-US" i="0" dirty="0">
                 <a:latin typeface="Microsoft YaHei Light" panose="020B0502040204020203" pitchFamily="34" charset="-122"/>
@@ -5001,6 +5139,11 @@
             </a:endParaRPr>
           </a:p>
           <a:p>
+            <a:pPr>
+              <a:lnSpc>
+                <a:spcPct val="100000"/>
+              </a:lnSpc>
+            </a:pPr>
             <a:r>
               <a:rPr lang="en-US" altLang="zh-CN" dirty="0">
                 <a:latin typeface="Microsoft YaHei Light" panose="020B0502040204020203" pitchFamily="34" charset="-122"/>
@@ -5021,7 +5164,11 @@
             </a:endParaRPr>
           </a:p>
           <a:p>
-            <a:pPr lvl="1"/>
+            <a:pPr lvl="1">
+              <a:lnSpc>
+                <a:spcPct val="100000"/>
+              </a:lnSpc>
+            </a:pPr>
             <a:r>
               <a:rPr lang="zh-CN" altLang="en-US" i="0" dirty="0">
                 <a:latin typeface="Microsoft YaHei Light" panose="020B0502040204020203" pitchFamily="34" charset="-122"/>
@@ -5035,7 +5182,11 @@
             </a:endParaRPr>
           </a:p>
           <a:p>
-            <a:pPr lvl="1"/>
+            <a:pPr lvl="1">
+              <a:lnSpc>
+                <a:spcPct val="100000"/>
+              </a:lnSpc>
+            </a:pPr>
             <a:r>
               <a:rPr lang="zh-CN" altLang="en-US" i="0" dirty="0">
                 <a:latin typeface="Microsoft YaHei Light" panose="020B0502040204020203" pitchFamily="34" charset="-122"/>
@@ -5049,7 +5200,11 @@
             </a:endParaRPr>
           </a:p>
           <a:p>
-            <a:pPr lvl="1"/>
+            <a:pPr lvl="1">
+              <a:lnSpc>
+                <a:spcPct val="100000"/>
+              </a:lnSpc>
+            </a:pPr>
             <a:r>
               <a:rPr lang="zh-CN" altLang="en-US" i="0" dirty="0">
                 <a:latin typeface="Microsoft YaHei Light" panose="020B0502040204020203" pitchFamily="34" charset="-122"/>
@@ -5179,6 +5334,11 @@
           <a:bodyPr/>
           <a:lstStyle/>
           <a:p>
+            <a:pPr>
+              <a:lnSpc>
+                <a:spcPct val="100000"/>
+              </a:lnSpc>
+            </a:pPr>
             <a:r>
               <a:rPr lang="zh-CN" altLang="en-US" dirty="0">
                 <a:latin typeface="Microsoft YaHei Light" panose="020B0502040204020203" pitchFamily="34" charset="-122"/>
@@ -5192,7 +5352,11 @@
             </a:endParaRPr>
           </a:p>
           <a:p>
-            <a:pPr lvl="1"/>
+            <a:pPr lvl="1">
+              <a:lnSpc>
+                <a:spcPct val="100000"/>
+              </a:lnSpc>
+            </a:pPr>
             <a:r>
               <a:rPr lang="zh-CN" altLang="en-US" i="0" dirty="0">
                 <a:latin typeface="Microsoft YaHei Light" panose="020B0502040204020203" pitchFamily="34" charset="-122"/>
@@ -5220,7 +5384,11 @@
             </a:endParaRPr>
           </a:p>
           <a:p>
-            <a:pPr lvl="1"/>
+            <a:pPr lvl="1">
+              <a:lnSpc>
+                <a:spcPct val="100000"/>
+              </a:lnSpc>
+            </a:pPr>
             <a:r>
               <a:rPr lang="zh-CN" altLang="en-US" i="0" dirty="0">
                 <a:latin typeface="Microsoft YaHei Light" panose="020B0502040204020203" pitchFamily="34" charset="-122"/>
@@ -5234,6 +5402,11 @@
             </a:endParaRPr>
           </a:p>
           <a:p>
+            <a:pPr>
+              <a:lnSpc>
+                <a:spcPct val="100000"/>
+              </a:lnSpc>
+            </a:pPr>
             <a:r>
               <a:rPr lang="zh-CN" altLang="en-US" dirty="0">
                 <a:latin typeface="Microsoft YaHei Light" panose="020B0502040204020203" pitchFamily="34" charset="-122"/>
@@ -5247,7 +5420,11 @@
             </a:endParaRPr>
           </a:p>
           <a:p>
-            <a:pPr lvl="1"/>
+            <a:pPr lvl="1">
+              <a:lnSpc>
+                <a:spcPct val="100000"/>
+              </a:lnSpc>
+            </a:pPr>
             <a:r>
               <a:rPr lang="zh-CN" altLang="en-US" i="0" dirty="0">
                 <a:latin typeface="Microsoft YaHei Light" panose="020B0502040204020203" pitchFamily="34" charset="-122"/>
@@ -5261,13 +5438,17 @@
             </a:endParaRPr>
           </a:p>
           <a:p>
-            <a:pPr lvl="1"/>
+            <a:pPr lvl="1">
+              <a:lnSpc>
+                <a:spcPct val="100000"/>
+              </a:lnSpc>
+            </a:pPr>
             <a:r>
               <a:rPr lang="zh-CN" altLang="en-US" i="0" dirty="0">
                 <a:latin typeface="Microsoft YaHei Light" panose="020B0502040204020203" pitchFamily="34" charset="-122"/>
                 <a:ea typeface="Microsoft YaHei Light" panose="020B0502040204020203" pitchFamily="34" charset="-122"/>
               </a:rPr>
-              <a:t>（代码中是统计用字最多的诗歌？效果和“减少叠字”差不多，说法待改进）</a:t>
+              <a:t>考虑句间的重复度，提高生成诗歌的可读性</a:t>
             </a:r>
             <a:endParaRPr lang="en-US" altLang="zh-CN" i="0" dirty="0">
               <a:latin typeface="Microsoft YaHei Light" panose="020B0502040204020203" pitchFamily="34" charset="-122"/>
@@ -5363,24 +5544,471 @@
           <a:bodyPr/>
           <a:lstStyle/>
           <a:p>
-            <a:r>
-              <a:rPr lang="zh-CN" altLang="en-US">
-                <a:latin typeface="Microsoft YaHei Light" panose="020B0502040204020203" pitchFamily="34" charset="-122"/>
-                <a:ea typeface="Microsoft YaHei Light" panose="020B0502040204020203" pitchFamily="34" charset="-122"/>
-              </a:rPr>
-              <a:t>详见网页</a:t>
+            <a:pPr>
+              <a:lnSpc>
+                <a:spcPct val="100000"/>
+              </a:lnSpc>
+            </a:pPr>
+            <a:r>
+              <a:rPr lang="zh-CN" altLang="en-US" dirty="0">
+                <a:latin typeface="Microsoft YaHei Light" panose="020B0502040204020203" pitchFamily="34" charset="-122"/>
+                <a:ea typeface="Microsoft YaHei Light" panose="020B0502040204020203" pitchFamily="34" charset="-122"/>
+              </a:rPr>
+              <a:t>五言绝句</a:t>
             </a:r>
             <a:endParaRPr lang="en-US" altLang="zh-CN" dirty="0">
               <a:latin typeface="Microsoft YaHei Light" panose="020B0502040204020203" pitchFamily="34" charset="-122"/>
               <a:ea typeface="Microsoft YaHei Light" panose="020B0502040204020203" pitchFamily="34" charset="-122"/>
             </a:endParaRPr>
           </a:p>
+          <a:p>
+            <a:pPr lvl="1">
+              <a:lnSpc>
+                <a:spcPct val="100000"/>
+              </a:lnSpc>
+            </a:pPr>
+            <a:r>
+              <a:rPr lang="zh-CN" altLang="en-US" i="0" dirty="0">
+                <a:latin typeface="+mn-ea"/>
+              </a:rPr>
+              <a:t>玉照上阳宫，清秋凝素风，日寒人未到，云尽雁还来</a:t>
+            </a:r>
+            <a:endParaRPr lang="en-US" altLang="zh-CN" i="0" dirty="0">
+              <a:latin typeface="+mn-ea"/>
+            </a:endParaRPr>
+          </a:p>
+          <a:p>
+            <a:pPr>
+              <a:lnSpc>
+                <a:spcPct val="100000"/>
+              </a:lnSpc>
+            </a:pPr>
+            <a:r>
+              <a:rPr lang="zh-CN" altLang="en-US" dirty="0">
+                <a:latin typeface="Microsoft YaHei Light" panose="020B0502040204020203" pitchFamily="34" charset="-122"/>
+                <a:ea typeface="Microsoft YaHei Light" panose="020B0502040204020203" pitchFamily="34" charset="-122"/>
+              </a:rPr>
+              <a:t>七言绝句</a:t>
+            </a:r>
+            <a:endParaRPr lang="en-US" altLang="zh-CN" dirty="0">
+              <a:latin typeface="Microsoft YaHei Light" panose="020B0502040204020203" pitchFamily="34" charset="-122"/>
+              <a:ea typeface="Microsoft YaHei Light" panose="020B0502040204020203" pitchFamily="34" charset="-122"/>
+            </a:endParaRPr>
+          </a:p>
+          <a:p>
+            <a:pPr lvl="1">
+              <a:lnSpc>
+                <a:spcPct val="100000"/>
+              </a:lnSpc>
+            </a:pPr>
+            <a:r>
+              <a:rPr lang="zh-CN" altLang="en-US" i="0" dirty="0">
+                <a:latin typeface="+mn-ea"/>
+              </a:rPr>
+              <a:t>月落寒天末风清，夜深吹落向南平，故人世乱唯应见，此夕空流万里情</a:t>
+            </a:r>
+            <a:endParaRPr lang="en-US" altLang="zh-CN" i="0" dirty="0">
+              <a:latin typeface="+mn-ea"/>
+            </a:endParaRPr>
+          </a:p>
+          <a:p>
+            <a:pPr>
+              <a:lnSpc>
+                <a:spcPct val="100000"/>
+              </a:lnSpc>
+            </a:pPr>
+            <a:r>
+              <a:rPr lang="zh-CN" altLang="en-US" dirty="0">
+                <a:latin typeface="Microsoft YaHei Light" panose="020B0502040204020203" pitchFamily="34" charset="-122"/>
+                <a:ea typeface="Microsoft YaHei Light" panose="020B0502040204020203" pitchFamily="34" charset="-122"/>
+              </a:rPr>
+              <a:t>藏头诗</a:t>
+            </a:r>
+            <a:endParaRPr lang="en-US" altLang="zh-CN" dirty="0">
+              <a:latin typeface="Microsoft YaHei Light" panose="020B0502040204020203" pitchFamily="34" charset="-122"/>
+              <a:ea typeface="Microsoft YaHei Light" panose="020B0502040204020203" pitchFamily="34" charset="-122"/>
+            </a:endParaRPr>
+          </a:p>
+          <a:p>
+            <a:pPr lvl="1">
+              <a:lnSpc>
+                <a:spcPct val="100000"/>
+              </a:lnSpc>
+            </a:pPr>
+            <a:r>
+              <a:rPr lang="zh-CN" altLang="en-US" i="0" dirty="0">
+                <a:latin typeface="+mn-ea"/>
+              </a:rPr>
+              <a:t>小径微凉风，鸟来林下生，依稀有相思，人事竟无情</a:t>
+            </a:r>
+            <a:endParaRPr lang="en-US" altLang="zh-CN" i="0" dirty="0">
+              <a:latin typeface="+mn-ea"/>
+            </a:endParaRPr>
+          </a:p>
+          <a:p>
+            <a:pPr lvl="1">
+              <a:lnSpc>
+                <a:spcPct val="100000"/>
+              </a:lnSpc>
+            </a:pPr>
+            <a:r>
+              <a:rPr lang="zh-CN" altLang="en-US" i="0" dirty="0">
+                <a:latin typeface="+mn-ea"/>
+              </a:rPr>
+              <a:t>我有相思物，爱君花下衣，调琴一别曲，参差不见稀</a:t>
+            </a:r>
+            <a:endParaRPr lang="en-US" altLang="zh-CN" i="0" dirty="0">
+              <a:latin typeface="+mn-ea"/>
+            </a:endParaRPr>
+          </a:p>
         </p:txBody>
       </p:sp>
     </p:spTree>
     <p:extLst>
       <p:ext uri="{BB962C8B-B14F-4D97-AF65-F5344CB8AC3E}">
         <p14:creationId xmlns:p14="http://schemas.microsoft.com/office/powerpoint/2010/main" val="3697221063"/>
+      </p:ext>
+    </p:extLst>
+  </p:cSld>
+  <p:clrMapOvr>
+    <a:masterClrMapping/>
+  </p:clrMapOvr>
+</p:sld>
+</file>
+
+<file path=ppt/slides/slide9.xml><?xml version="1.0" encoding="utf-8"?>
+<p:sld xmlns:a="http://schemas.openxmlformats.org/drawingml/2006/main" xmlns:r="http://schemas.openxmlformats.org/officeDocument/2006/relationships" xmlns:p="http://schemas.openxmlformats.org/presentationml/2006/main">
+  <p:cSld>
+    <p:spTree>
+      <p:nvGrpSpPr>
+        <p:cNvPr id="1" name=""/>
+        <p:cNvGrpSpPr/>
+        <p:nvPr/>
+      </p:nvGrpSpPr>
+      <p:grpSpPr>
+        <a:xfrm>
+          <a:off x="0" y="0"/>
+          <a:ext cx="0" cy="0"/>
+          <a:chOff x="0" y="0"/>
+          <a:chExt cx="0" cy="0"/>
+        </a:xfrm>
+      </p:grpSpPr>
+      <p:sp>
+        <p:nvSpPr>
+          <p:cNvPr id="2" name="标题 1">
+            <a:extLst>
+              <a:ext uri="{FF2B5EF4-FFF2-40B4-BE49-F238E27FC236}">
+                <a16:creationId xmlns:a16="http://schemas.microsoft.com/office/drawing/2014/main" id="{C402669F-167E-4C01-AA75-12B01A4B65BD}"/>
+              </a:ext>
+            </a:extLst>
+          </p:cNvPr>
+          <p:cNvSpPr>
+            <a:spLocks noGrp="1"/>
+          </p:cNvSpPr>
+          <p:nvPr>
+            <p:ph type="title"/>
+          </p:nvPr>
+        </p:nvSpPr>
+        <p:spPr/>
+        <p:txBody>
+          <a:bodyPr/>
+          <a:lstStyle/>
+          <a:p>
+            <a:r>
+              <a:rPr lang="zh-CN" altLang="en-US" dirty="0">
+                <a:latin typeface="Microsoft YaHei Light" panose="020B0502040204020203" pitchFamily="34" charset="-122"/>
+                <a:ea typeface="Microsoft YaHei Light" panose="020B0502040204020203" pitchFamily="34" charset="-122"/>
+              </a:rPr>
+              <a:t>效果展示</a:t>
+            </a:r>
+            <a:r>
+              <a:rPr lang="en-US" altLang="zh-CN" dirty="0">
+                <a:latin typeface="Microsoft YaHei Light" panose="020B0502040204020203" pitchFamily="34" charset="-122"/>
+                <a:ea typeface="Microsoft YaHei Light" panose="020B0502040204020203" pitchFamily="34" charset="-122"/>
+              </a:rPr>
+              <a:t>-</a:t>
+            </a:r>
+            <a:r>
+              <a:rPr lang="zh-CN" altLang="en-US" dirty="0">
+                <a:latin typeface="Microsoft YaHei Light" panose="020B0502040204020203" pitchFamily="34" charset="-122"/>
+                <a:ea typeface="Microsoft YaHei Light" panose="020B0502040204020203" pitchFamily="34" charset="-122"/>
+              </a:rPr>
+              <a:t>分析</a:t>
+            </a:r>
+          </a:p>
+        </p:txBody>
+      </p:sp>
+      <p:sp>
+        <p:nvSpPr>
+          <p:cNvPr id="3" name="内容占位符 2">
+            <a:extLst>
+              <a:ext uri="{FF2B5EF4-FFF2-40B4-BE49-F238E27FC236}">
+                <a16:creationId xmlns:a16="http://schemas.microsoft.com/office/drawing/2014/main" id="{ADA07620-DD2B-48DA-91D5-6D20892B9930}"/>
+              </a:ext>
+            </a:extLst>
+          </p:cNvPr>
+          <p:cNvSpPr>
+            <a:spLocks noGrp="1"/>
+          </p:cNvSpPr>
+          <p:nvPr>
+            <p:ph idx="1"/>
+          </p:nvPr>
+        </p:nvSpPr>
+        <p:spPr>
+          <a:xfrm>
+            <a:off x="1371600" y="2286000"/>
+            <a:ext cx="9601200" cy="4572000"/>
+          </a:xfrm>
+        </p:spPr>
+        <p:txBody>
+          <a:bodyPr/>
+          <a:lstStyle/>
+          <a:p>
+            <a:pPr>
+              <a:lnSpc>
+                <a:spcPct val="100000"/>
+              </a:lnSpc>
+            </a:pPr>
+            <a:r>
+              <a:rPr lang="zh-CN" altLang="en-US" dirty="0">
+                <a:latin typeface="Microsoft YaHei Light" panose="020B0502040204020203" pitchFamily="34" charset="-122"/>
+                <a:ea typeface="Microsoft YaHei Light" panose="020B0502040204020203" pitchFamily="34" charset="-122"/>
+              </a:rPr>
+              <a:t>句内通顺</a:t>
+            </a:r>
+            <a:endParaRPr lang="en-US" altLang="zh-CN" dirty="0">
+              <a:latin typeface="Microsoft YaHei Light" panose="020B0502040204020203" pitchFamily="34" charset="-122"/>
+              <a:ea typeface="Microsoft YaHei Light" panose="020B0502040204020203" pitchFamily="34" charset="-122"/>
+            </a:endParaRPr>
+          </a:p>
+          <a:p>
+            <a:pPr lvl="1">
+              <a:lnSpc>
+                <a:spcPct val="100000"/>
+              </a:lnSpc>
+            </a:pPr>
+            <a:r>
+              <a:rPr lang="zh-CN" altLang="en-US" i="0" dirty="0">
+                <a:latin typeface="Microsoft YaHei Light" panose="020B0502040204020203" pitchFamily="34" charset="-122"/>
+                <a:ea typeface="Microsoft YaHei Light" panose="020B0502040204020203" pitchFamily="34" charset="-122"/>
+              </a:rPr>
+              <a:t>生成诗歌句内通顺，意思清楚</a:t>
+            </a:r>
+            <a:endParaRPr lang="en-US" altLang="zh-CN" i="0" dirty="0">
+              <a:latin typeface="Microsoft YaHei Light" panose="020B0502040204020203" pitchFamily="34" charset="-122"/>
+              <a:ea typeface="Microsoft YaHei Light" panose="020B0502040204020203" pitchFamily="34" charset="-122"/>
+            </a:endParaRPr>
+          </a:p>
+          <a:p>
+            <a:pPr>
+              <a:lnSpc>
+                <a:spcPct val="100000"/>
+              </a:lnSpc>
+            </a:pPr>
+            <a:r>
+              <a:rPr lang="zh-CN" altLang="en-US" dirty="0">
+                <a:latin typeface="Microsoft YaHei Light" panose="020B0502040204020203" pitchFamily="34" charset="-122"/>
+                <a:ea typeface="Microsoft YaHei Light" panose="020B0502040204020203" pitchFamily="34" charset="-122"/>
+              </a:rPr>
+              <a:t>句间连贯</a:t>
+            </a:r>
+            <a:endParaRPr lang="en-US" altLang="zh-CN" dirty="0">
+              <a:latin typeface="Microsoft YaHei Light" panose="020B0502040204020203" pitchFamily="34" charset="-122"/>
+              <a:ea typeface="Microsoft YaHei Light" panose="020B0502040204020203" pitchFamily="34" charset="-122"/>
+            </a:endParaRPr>
+          </a:p>
+          <a:p>
+            <a:pPr lvl="1">
+              <a:lnSpc>
+                <a:spcPct val="100000"/>
+              </a:lnSpc>
+            </a:pPr>
+            <a:r>
+              <a:rPr lang="zh-CN" altLang="en-US" i="0" dirty="0">
+                <a:latin typeface="Microsoft YaHei Light" panose="020B0502040204020203" pitchFamily="34" charset="-122"/>
+                <a:ea typeface="Microsoft YaHei Light" panose="020B0502040204020203" pitchFamily="34" charset="-122"/>
+              </a:rPr>
+              <a:t>句间意象连贯，不会出现不和逻辑的跳跃</a:t>
+            </a:r>
+            <a:endParaRPr lang="en-US" altLang="zh-CN" i="0" dirty="0">
+              <a:latin typeface="Microsoft YaHei Light" panose="020B0502040204020203" pitchFamily="34" charset="-122"/>
+              <a:ea typeface="Microsoft YaHei Light" panose="020B0502040204020203" pitchFamily="34" charset="-122"/>
+            </a:endParaRPr>
+          </a:p>
+          <a:p>
+            <a:pPr>
+              <a:lnSpc>
+                <a:spcPct val="100000"/>
+              </a:lnSpc>
+            </a:pPr>
+            <a:r>
+              <a:rPr lang="zh-CN" altLang="en-US" dirty="0">
+                <a:latin typeface="Microsoft YaHei Light" panose="020B0502040204020203" pitchFamily="34" charset="-122"/>
+                <a:ea typeface="Microsoft YaHei Light" panose="020B0502040204020203" pitchFamily="34" charset="-122"/>
+              </a:rPr>
+              <a:t>善用押韵</a:t>
+            </a:r>
+            <a:endParaRPr lang="en-US" altLang="zh-CN" dirty="0">
+              <a:latin typeface="Microsoft YaHei Light" panose="020B0502040204020203" pitchFamily="34" charset="-122"/>
+              <a:ea typeface="Microsoft YaHei Light" panose="020B0502040204020203" pitchFamily="34" charset="-122"/>
+            </a:endParaRPr>
+          </a:p>
+          <a:p>
+            <a:pPr lvl="1">
+              <a:lnSpc>
+                <a:spcPct val="100000"/>
+              </a:lnSpc>
+            </a:pPr>
+            <a:r>
+              <a:rPr lang="zh-CN" altLang="en-US" i="0" dirty="0">
+                <a:latin typeface="Microsoft YaHei Light" panose="020B0502040204020203" pitchFamily="34" charset="-122"/>
+                <a:ea typeface="Microsoft YaHei Light" panose="020B0502040204020203" pitchFamily="34" charset="-122"/>
+              </a:rPr>
+              <a:t>可以使用押韵增强美感，如第二、第四首</a:t>
+            </a:r>
+            <a:endParaRPr lang="en-US" altLang="zh-CN" i="0" dirty="0">
+              <a:latin typeface="Microsoft YaHei Light" panose="020B0502040204020203" pitchFamily="34" charset="-122"/>
+              <a:ea typeface="Microsoft YaHei Light" panose="020B0502040204020203" pitchFamily="34" charset="-122"/>
+            </a:endParaRPr>
+          </a:p>
+          <a:p>
+            <a:pPr lvl="1">
+              <a:lnSpc>
+                <a:spcPct val="100000"/>
+              </a:lnSpc>
+            </a:pPr>
+            <a:r>
+              <a:rPr lang="zh-CN" altLang="en-US" i="0" dirty="0">
+                <a:latin typeface="Microsoft YaHei Light" panose="020B0502040204020203" pitchFamily="34" charset="-122"/>
+                <a:ea typeface="Microsoft YaHei Light" panose="020B0502040204020203" pitchFamily="34" charset="-122"/>
+              </a:rPr>
+              <a:t>不用押韵时能够有出彩之处，如 “</a:t>
+            </a:r>
+            <a:r>
+              <a:rPr lang="zh-CN" altLang="en-US" i="0" dirty="0">
+                <a:latin typeface="+mn-ea"/>
+              </a:rPr>
+              <a:t>有相思</a:t>
+            </a:r>
+            <a:r>
+              <a:rPr lang="zh-CN" altLang="en-US" i="0" dirty="0">
+                <a:latin typeface="Microsoft YaHei Light" panose="020B0502040204020203" pitchFamily="34" charset="-122"/>
+                <a:ea typeface="Microsoft YaHei Light" panose="020B0502040204020203" pitchFamily="34" charset="-122"/>
+              </a:rPr>
+              <a:t>” 对 “</a:t>
+            </a:r>
+            <a:r>
+              <a:rPr lang="zh-CN" altLang="en-US" i="0" dirty="0">
+                <a:latin typeface="+mn-ea"/>
+              </a:rPr>
+              <a:t>竟无情</a:t>
+            </a:r>
+            <a:r>
+              <a:rPr lang="zh-CN" altLang="en-US" i="0" dirty="0">
+                <a:latin typeface="Microsoft YaHei Light" panose="020B0502040204020203" pitchFamily="34" charset="-122"/>
+                <a:ea typeface="Microsoft YaHei Light" panose="020B0502040204020203" pitchFamily="34" charset="-122"/>
+              </a:rPr>
+              <a:t>”， “</a:t>
+            </a:r>
+            <a:r>
+              <a:rPr lang="zh-CN" altLang="en-US" i="0" dirty="0">
+                <a:latin typeface="+mn-ea"/>
+              </a:rPr>
+              <a:t>人未到</a:t>
+            </a:r>
+            <a:r>
+              <a:rPr lang="zh-CN" altLang="en-US" i="0" dirty="0">
+                <a:latin typeface="Microsoft YaHei Light" panose="020B0502040204020203" pitchFamily="34" charset="-122"/>
+                <a:ea typeface="Microsoft YaHei Light" panose="020B0502040204020203" pitchFamily="34" charset="-122"/>
+              </a:rPr>
+              <a:t>” 对 “</a:t>
+            </a:r>
+            <a:r>
+              <a:rPr lang="zh-CN" altLang="en-US" i="0" dirty="0">
+                <a:latin typeface="+mn-ea"/>
+              </a:rPr>
+              <a:t>雁还来</a:t>
+            </a:r>
+            <a:r>
+              <a:rPr lang="zh-CN" altLang="en-US" i="0" dirty="0">
+                <a:latin typeface="Microsoft YaHei Light" panose="020B0502040204020203" pitchFamily="34" charset="-122"/>
+                <a:ea typeface="Microsoft YaHei Light" panose="020B0502040204020203" pitchFamily="34" charset="-122"/>
+              </a:rPr>
+              <a:t>”</a:t>
+            </a:r>
+            <a:endParaRPr lang="en-US" altLang="zh-CN" i="0" dirty="0">
+              <a:latin typeface="Microsoft YaHei Light" panose="020B0502040204020203" pitchFamily="34" charset="-122"/>
+              <a:ea typeface="Microsoft YaHei Light" panose="020B0502040204020203" pitchFamily="34" charset="-122"/>
+            </a:endParaRPr>
+          </a:p>
+          <a:p>
+            <a:pPr>
+              <a:lnSpc>
+                <a:spcPct val="100000"/>
+              </a:lnSpc>
+            </a:pPr>
+            <a:r>
+              <a:rPr lang="zh-CN" altLang="en-US" dirty="0">
+                <a:latin typeface="Microsoft YaHei Light" panose="020B0502040204020203" pitchFamily="34" charset="-122"/>
+                <a:ea typeface="Microsoft YaHei Light" panose="020B0502040204020203" pitchFamily="34" charset="-122"/>
+              </a:rPr>
+              <a:t>特殊名词</a:t>
+            </a:r>
+            <a:endParaRPr lang="en-US" altLang="zh-CN" dirty="0">
+              <a:latin typeface="Microsoft YaHei Light" panose="020B0502040204020203" pitchFamily="34" charset="-122"/>
+              <a:ea typeface="Microsoft YaHei Light" panose="020B0502040204020203" pitchFamily="34" charset="-122"/>
+            </a:endParaRPr>
+          </a:p>
+          <a:p>
+            <a:pPr lvl="1">
+              <a:lnSpc>
+                <a:spcPct val="100000"/>
+              </a:lnSpc>
+            </a:pPr>
+            <a:r>
+              <a:rPr lang="zh-CN" altLang="en-US" i="0" dirty="0">
+                <a:latin typeface="Microsoft YaHei Light" panose="020B0502040204020203" pitchFamily="34" charset="-122"/>
+                <a:ea typeface="Microsoft YaHei Light" panose="020B0502040204020203" pitchFamily="34" charset="-122"/>
+              </a:rPr>
+              <a:t>能够学到一些固定名词，如 “</a:t>
+            </a:r>
+            <a:r>
+              <a:rPr lang="zh-CN" altLang="en-US" i="0" dirty="0">
+                <a:latin typeface="+mn-ea"/>
+              </a:rPr>
+              <a:t>上阳宫</a:t>
+            </a:r>
+            <a:r>
+              <a:rPr lang="zh-CN" altLang="en-US" i="0" dirty="0">
+                <a:latin typeface="Microsoft YaHei Light" panose="020B0502040204020203" pitchFamily="34" charset="-122"/>
+                <a:ea typeface="Microsoft YaHei Light" panose="020B0502040204020203" pitchFamily="34" charset="-122"/>
+              </a:rPr>
+              <a:t>” （唐代大型宫殿建筑群）、“</a:t>
+            </a:r>
+            <a:r>
+              <a:rPr lang="zh-CN" altLang="en-US" i="0" dirty="0">
+                <a:latin typeface="+mn-ea"/>
+              </a:rPr>
+              <a:t>相似物</a:t>
+            </a:r>
+            <a:r>
+              <a:rPr lang="zh-CN" altLang="en-US" i="0" dirty="0">
+                <a:latin typeface="Microsoft YaHei Light" panose="020B0502040204020203" pitchFamily="34" charset="-122"/>
+                <a:ea typeface="Microsoft YaHei Light" panose="020B0502040204020203" pitchFamily="34" charset="-122"/>
+              </a:rPr>
+              <a:t>” （指红豆）</a:t>
+            </a:r>
+            <a:endParaRPr lang="en-US" altLang="zh-CN" i="0" dirty="0">
+              <a:latin typeface="Microsoft YaHei Light" panose="020B0502040204020203" pitchFamily="34" charset="-122"/>
+              <a:ea typeface="Microsoft YaHei Light" panose="020B0502040204020203" pitchFamily="34" charset="-122"/>
+            </a:endParaRPr>
+          </a:p>
+        </p:txBody>
+      </p:sp>
+    </p:spTree>
+    <p:extLst>
+      <p:ext uri="{BB962C8B-B14F-4D97-AF65-F5344CB8AC3E}">
+        <p14:creationId xmlns:p14="http://schemas.microsoft.com/office/powerpoint/2010/main" val="1147213586"/>
       </p:ext>
     </p:extLst>
   </p:cSld>
